--- a/Factory.pptx
+++ b/Factory.pptx
@@ -1038,7 +1038,7 @@
           <a:p>
             <a:fld id="{7D9AC773-A6D0-4233-92AE-DB55DEEF0BF3}" type="datetimeFigureOut">
               <a:rPr lang="en-US" smtClean="0"/>
-              <a:t>3/10/2024</a:t>
+              <a:t>3/12/2024</a:t>
             </a:fld>
             <a:endParaRPr lang="en-US"/>
           </a:p>
@@ -1236,7 +1236,7 @@
           <a:p>
             <a:fld id="{7D9AC773-A6D0-4233-92AE-DB55DEEF0BF3}" type="datetimeFigureOut">
               <a:rPr lang="en-US" smtClean="0"/>
-              <a:t>3/10/2024</a:t>
+              <a:t>3/12/2024</a:t>
             </a:fld>
             <a:endParaRPr lang="en-US"/>
           </a:p>
@@ -1444,7 +1444,7 @@
           <a:p>
             <a:fld id="{7D9AC773-A6D0-4233-92AE-DB55DEEF0BF3}" type="datetimeFigureOut">
               <a:rPr lang="en-US" smtClean="0"/>
-              <a:t>3/10/2024</a:t>
+              <a:t>3/12/2024</a:t>
             </a:fld>
             <a:endParaRPr lang="en-US"/>
           </a:p>
@@ -1642,7 +1642,7 @@
           <a:p>
             <a:fld id="{7D9AC773-A6D0-4233-92AE-DB55DEEF0BF3}" type="datetimeFigureOut">
               <a:rPr lang="en-US" smtClean="0"/>
-              <a:t>3/10/2024</a:t>
+              <a:t>3/12/2024</a:t>
             </a:fld>
             <a:endParaRPr lang="en-US"/>
           </a:p>
@@ -1917,7 +1917,7 @@
           <a:p>
             <a:fld id="{7D9AC773-A6D0-4233-92AE-DB55DEEF0BF3}" type="datetimeFigureOut">
               <a:rPr lang="en-US" smtClean="0"/>
-              <a:t>3/10/2024</a:t>
+              <a:t>3/12/2024</a:t>
             </a:fld>
             <a:endParaRPr lang="en-US"/>
           </a:p>
@@ -2182,7 +2182,7 @@
           <a:p>
             <a:fld id="{7D9AC773-A6D0-4233-92AE-DB55DEEF0BF3}" type="datetimeFigureOut">
               <a:rPr lang="en-US" smtClean="0"/>
-              <a:t>3/10/2024</a:t>
+              <a:t>3/12/2024</a:t>
             </a:fld>
             <a:endParaRPr lang="en-US"/>
           </a:p>
@@ -2594,7 +2594,7 @@
           <a:p>
             <a:fld id="{7D9AC773-A6D0-4233-92AE-DB55DEEF0BF3}" type="datetimeFigureOut">
               <a:rPr lang="en-US" smtClean="0"/>
-              <a:t>3/10/2024</a:t>
+              <a:t>3/12/2024</a:t>
             </a:fld>
             <a:endParaRPr lang="en-US"/>
           </a:p>
@@ -2735,7 +2735,7 @@
           <a:p>
             <a:fld id="{7D9AC773-A6D0-4233-92AE-DB55DEEF0BF3}" type="datetimeFigureOut">
               <a:rPr lang="en-US" smtClean="0"/>
-              <a:t>3/10/2024</a:t>
+              <a:t>3/12/2024</a:t>
             </a:fld>
             <a:endParaRPr lang="en-US"/>
           </a:p>
@@ -2848,7 +2848,7 @@
           <a:p>
             <a:fld id="{7D9AC773-A6D0-4233-92AE-DB55DEEF0BF3}" type="datetimeFigureOut">
               <a:rPr lang="en-US" smtClean="0"/>
-              <a:t>3/10/2024</a:t>
+              <a:t>3/12/2024</a:t>
             </a:fld>
             <a:endParaRPr lang="en-US"/>
           </a:p>
@@ -3159,7 +3159,7 @@
           <a:p>
             <a:fld id="{7D9AC773-A6D0-4233-92AE-DB55DEEF0BF3}" type="datetimeFigureOut">
               <a:rPr lang="en-US" smtClean="0"/>
-              <a:t>3/10/2024</a:t>
+              <a:t>3/12/2024</a:t>
             </a:fld>
             <a:endParaRPr lang="en-US"/>
           </a:p>
@@ -3447,7 +3447,7 @@
           <a:p>
             <a:fld id="{7D9AC773-A6D0-4233-92AE-DB55DEEF0BF3}" type="datetimeFigureOut">
               <a:rPr lang="en-US" smtClean="0"/>
-              <a:t>3/10/2024</a:t>
+              <a:t>3/12/2024</a:t>
             </a:fld>
             <a:endParaRPr lang="en-US"/>
           </a:p>
@@ -3688,7 +3688,7 @@
           <a:p>
             <a:fld id="{7D9AC773-A6D0-4233-92AE-DB55DEEF0BF3}" type="datetimeFigureOut">
               <a:rPr lang="en-US" smtClean="0"/>
-              <a:t>3/10/2024</a:t>
+              <a:t>3/12/2024</a:t>
             </a:fld>
             <a:endParaRPr lang="en-US"/>
           </a:p>
@@ -6055,7 +6055,7 @@
                 <a:latin typeface="Times New Roman" panose="02020603050405020304" pitchFamily="18" charset="0"/>
                 <a:cs typeface="Times New Roman" panose="02020603050405020304" pitchFamily="18" charset="0"/>
               </a:rPr>
-              <a:t>Sử dụng phương thức factory khi bạn muốn cung cấp cho người dùng thư viện hoặc framework của mình một cách để mở rộng các thành phần bên trong của nó.</a:t>
+              <a:t>Sử dụng phương thức factory khi bạn muốn cung cấp cho người dùng thư viện hoặc framework của mình để mở rộng các thành phần bên trong của nó.</a:t>
             </a:r>
             <a:endParaRPr lang="en-US" sz="2400">
               <a:latin typeface="Times New Roman" panose="02020603050405020304" pitchFamily="18" charset="0"/>
@@ -6427,7 +6427,7 @@
                 <a:latin typeface="Times New Roman" panose="02020603050405020304" pitchFamily="18" charset="0"/>
                 <a:cs typeface="Times New Roman" panose="02020603050405020304" pitchFamily="18" charset="0"/>
               </a:rPr>
-              <a:t>Làm rõ Factory method, việc trả về dối tượng kiểu </a:t>
+              <a:t>Làm rõ Factory method, việc trả về đối tượng kiểu </a:t>
             </a:r>
             <a:r>
               <a:rPr lang="en-US" sz="1900" b="1">
@@ -6483,9 +6483,16 @@
                 <a:latin typeface="Times New Roman" panose="02020603050405020304" pitchFamily="18" charset="0"/>
                 <a:cs typeface="Times New Roman" panose="02020603050405020304" pitchFamily="18" charset="0"/>
               </a:rPr>
-              <a:t>Có thể gọi Factory method để tạo một đối tượng Product</a:t>
-            </a:r>
-            <a:endParaRPr lang="en-US" sz="2000">
+              <a:t>Có thể gọi Factory method để tạo một đối tượng </a:t>
+            </a:r>
+            <a:r>
+              <a:rPr lang="en-US" sz="1900" b="1">
+                <a:latin typeface="Times New Roman" panose="02020603050405020304" pitchFamily="18" charset="0"/>
+                <a:cs typeface="Times New Roman" panose="02020603050405020304" pitchFamily="18" charset="0"/>
+              </a:rPr>
+              <a:t>Product</a:t>
+            </a:r>
+            <a:endParaRPr lang="en-US" sz="2000" b="1">
               <a:latin typeface="Times New Roman" panose="02020603050405020304" pitchFamily="18" charset="0"/>
               <a:cs typeface="Times New Roman" panose="02020603050405020304" pitchFamily="18" charset="0"/>
             </a:endParaRPr>
@@ -7939,7 +7946,7 @@
                 <a:latin typeface="Times New Roman" panose="02020603050405020304" pitchFamily="18" charset="0"/>
                 <a:cs typeface="Times New Roman" panose="02020603050405020304" pitchFamily="18" charset="0"/>
               </a:rPr>
-              <a:t>Khó khan trong việc debug</a:t>
+              <a:t>Khó khăn trong việc debug</a:t>
             </a:r>
           </a:p>
         </p:txBody>
